--- a/ΕΦΑΡΜΟΓΗ ΥΠΟΣΤΗΡΙΞΗΣ ΑΡΧΑΙΟΛΟΓΙΚΟΥ ΜΟΥΣΕΙΟΥ.pptx
+++ b/ΕΦΑΡΜΟΓΗ ΥΠΟΣΤΗΡΙΞΗΣ ΑΡΧΑΙΟΛΟΓΙΚΟΥ ΜΟΥΣΕΙΟΥ.pptx
@@ -9,6 +9,13 @@
     <p:sldId id="258" r:id="rId3"/>
     <p:sldId id="261" r:id="rId4"/>
     <p:sldId id="262" r:id="rId5"/>
+    <p:sldId id="263" r:id="rId6"/>
+    <p:sldId id="264" r:id="rId7"/>
+    <p:sldId id="268" r:id="rId8"/>
+    <p:sldId id="265" r:id="rId9"/>
+    <p:sldId id="266" r:id="rId10"/>
+    <p:sldId id="267" r:id="rId11"/>
+    <p:sldId id="269" r:id="rId12"/>
   </p:sldIdLst>
   <p:sldSz cx="12192000" cy="6858000"/>
   <p:notesSz cx="6858000" cy="9144000"/>
@@ -107,6 +114,11 @@
       </a:defRPr>
     </a:lvl9pPr>
   </p:defaultTextStyle>
+  <p:extLst>
+    <p:ext uri="{EFAFB233-063F-42B5-8137-9DF3F51BA10A}">
+      <p15:sldGuideLst xmlns:p15="http://schemas.microsoft.com/office/powerpoint/2012/main"/>
+    </p:ext>
+  </p:extLst>
 </p:presentation>
 </file>
 
@@ -5393,7 +5405,7 @@
           <a:p>
             <a:fld id="{6E27814A-C1ED-44A7-BE5D-676F2FD97C8B}" type="datetimeFigureOut">
               <a:rPr lang="el-GR" smtClean="0"/>
-              <a:t>22/4/2021</a:t>
+              <a:t>30/5/2021</a:t>
             </a:fld>
             <a:endParaRPr lang="el-GR"/>
           </a:p>
@@ -5593,7 +5605,7 @@
           <a:p>
             <a:fld id="{6E27814A-C1ED-44A7-BE5D-676F2FD97C8B}" type="datetimeFigureOut">
               <a:rPr lang="el-GR" smtClean="0"/>
-              <a:t>22/4/2021</a:t>
+              <a:t>30/5/2021</a:t>
             </a:fld>
             <a:endParaRPr lang="el-GR"/>
           </a:p>
@@ -5803,7 +5815,7 @@
           <a:p>
             <a:fld id="{6E27814A-C1ED-44A7-BE5D-676F2FD97C8B}" type="datetimeFigureOut">
               <a:rPr lang="el-GR" smtClean="0"/>
-              <a:t>22/4/2021</a:t>
+              <a:t>30/5/2021</a:t>
             </a:fld>
             <a:endParaRPr lang="el-GR"/>
           </a:p>
@@ -6003,7 +6015,7 @@
           <a:p>
             <a:fld id="{6E27814A-C1ED-44A7-BE5D-676F2FD97C8B}" type="datetimeFigureOut">
               <a:rPr lang="el-GR" smtClean="0"/>
-              <a:t>22/4/2021</a:t>
+              <a:t>30/5/2021</a:t>
             </a:fld>
             <a:endParaRPr lang="el-GR"/>
           </a:p>
@@ -6279,7 +6291,7 @@
           <a:p>
             <a:fld id="{6E27814A-C1ED-44A7-BE5D-676F2FD97C8B}" type="datetimeFigureOut">
               <a:rPr lang="el-GR" smtClean="0"/>
-              <a:t>22/4/2021</a:t>
+              <a:t>30/5/2021</a:t>
             </a:fld>
             <a:endParaRPr lang="el-GR"/>
           </a:p>
@@ -6547,7 +6559,7 @@
           <a:p>
             <a:fld id="{6E27814A-C1ED-44A7-BE5D-676F2FD97C8B}" type="datetimeFigureOut">
               <a:rPr lang="el-GR" smtClean="0"/>
-              <a:t>22/4/2021</a:t>
+              <a:t>30/5/2021</a:t>
             </a:fld>
             <a:endParaRPr lang="el-GR"/>
           </a:p>
@@ -6962,7 +6974,7 @@
           <a:p>
             <a:fld id="{6E27814A-C1ED-44A7-BE5D-676F2FD97C8B}" type="datetimeFigureOut">
               <a:rPr lang="el-GR" smtClean="0"/>
-              <a:t>22/4/2021</a:t>
+              <a:t>30/5/2021</a:t>
             </a:fld>
             <a:endParaRPr lang="el-GR"/>
           </a:p>
@@ -7104,7 +7116,7 @@
           <a:p>
             <a:fld id="{6E27814A-C1ED-44A7-BE5D-676F2FD97C8B}" type="datetimeFigureOut">
               <a:rPr lang="el-GR" smtClean="0"/>
-              <a:t>22/4/2021</a:t>
+              <a:t>30/5/2021</a:t>
             </a:fld>
             <a:endParaRPr lang="el-GR"/>
           </a:p>
@@ -7217,7 +7229,7 @@
           <a:p>
             <a:fld id="{6E27814A-C1ED-44A7-BE5D-676F2FD97C8B}" type="datetimeFigureOut">
               <a:rPr lang="el-GR" smtClean="0"/>
-              <a:t>22/4/2021</a:t>
+              <a:t>30/5/2021</a:t>
             </a:fld>
             <a:endParaRPr lang="el-GR"/>
           </a:p>
@@ -7530,7 +7542,7 @@
           <a:p>
             <a:fld id="{6E27814A-C1ED-44A7-BE5D-676F2FD97C8B}" type="datetimeFigureOut">
               <a:rPr lang="el-GR" smtClean="0"/>
-              <a:t>22/4/2021</a:t>
+              <a:t>30/5/2021</a:t>
             </a:fld>
             <a:endParaRPr lang="el-GR"/>
           </a:p>
@@ -7819,7 +7831,7 @@
           <a:p>
             <a:fld id="{6E27814A-C1ED-44A7-BE5D-676F2FD97C8B}" type="datetimeFigureOut">
               <a:rPr lang="el-GR" smtClean="0"/>
-              <a:t>22/4/2021</a:t>
+              <a:t>30/5/2021</a:t>
             </a:fld>
             <a:endParaRPr lang="el-GR"/>
           </a:p>
@@ -8065,7 +8077,7 @@
           <a:p>
             <a:fld id="{6E27814A-C1ED-44A7-BE5D-676F2FD97C8B}" type="datetimeFigureOut">
               <a:rPr lang="el-GR" smtClean="0"/>
-              <a:t>22/4/2021</a:t>
+              <a:t>30/5/2021</a:t>
             </a:fld>
             <a:endParaRPr lang="el-GR"/>
           </a:p>
@@ -8923,6 +8935,181 @@
 </p:sld>
 </file>
 
+<file path=ppt/slides/slide10.xml><?xml version="1.0" encoding="utf-8"?>
+<p:sld xmlns:a="http://schemas.openxmlformats.org/drawingml/2006/main" xmlns:r="http://schemas.openxmlformats.org/officeDocument/2006/relationships" xmlns:p="http://schemas.openxmlformats.org/presentationml/2006/main">
+  <p:cSld>
+    <p:spTree>
+      <p:nvGrpSpPr>
+        <p:cNvPr id="1" name=""/>
+        <p:cNvGrpSpPr/>
+        <p:nvPr/>
+      </p:nvGrpSpPr>
+      <p:grpSpPr>
+        <a:xfrm>
+          <a:off x="0" y="0"/>
+          <a:ext cx="0" cy="0"/>
+          <a:chOff x="0" y="0"/>
+          <a:chExt cx="0" cy="0"/>
+        </a:xfrm>
+      </p:grpSpPr>
+      <p:sp>
+        <p:nvSpPr>
+          <p:cNvPr id="2" name="Title 1">
+            <a:extLst>
+              <a:ext uri="{FF2B5EF4-FFF2-40B4-BE49-F238E27FC236}">
+                <a16:creationId xmlns:a16="http://schemas.microsoft.com/office/drawing/2014/main" id="{0C36B533-226C-47EB-988F-60BD9223FB2E}"/>
+              </a:ext>
+            </a:extLst>
+          </p:cNvPr>
+          <p:cNvSpPr>
+            <a:spLocks noGrp="1"/>
+          </p:cNvSpPr>
+          <p:nvPr>
+            <p:ph type="title"/>
+          </p:nvPr>
+        </p:nvSpPr>
+        <p:spPr/>
+        <p:txBody>
+          <a:bodyPr/>
+          <a:lstStyle/>
+          <a:p>
+            <a:r>
+              <a:rPr lang="en-US" dirty="0"/>
+              <a:t>Administrator Page</a:t>
+            </a:r>
+            <a:endParaRPr lang="el-GR" dirty="0"/>
+          </a:p>
+        </p:txBody>
+      </p:sp>
+      <p:sp>
+        <p:nvSpPr>
+          <p:cNvPr id="3" name="Content Placeholder 2">
+            <a:extLst>
+              <a:ext uri="{FF2B5EF4-FFF2-40B4-BE49-F238E27FC236}">
+                <a16:creationId xmlns:a16="http://schemas.microsoft.com/office/drawing/2014/main" id="{02E9700A-D106-4CE4-BC45-BFCFEB42C4EC}"/>
+              </a:ext>
+            </a:extLst>
+          </p:cNvPr>
+          <p:cNvSpPr>
+            <a:spLocks noGrp="1"/>
+          </p:cNvSpPr>
+          <p:nvPr>
+            <p:ph idx="1"/>
+          </p:nvPr>
+        </p:nvSpPr>
+        <p:spPr/>
+        <p:txBody>
+          <a:bodyPr/>
+          <a:lstStyle/>
+          <a:p>
+            <a:endParaRPr lang="el-GR"/>
+          </a:p>
+        </p:txBody>
+      </p:sp>
+    </p:spTree>
+    <p:extLst>
+      <p:ext uri="{BB962C8B-B14F-4D97-AF65-F5344CB8AC3E}">
+        <p14:creationId xmlns:p14="http://schemas.microsoft.com/office/powerpoint/2010/main" val="1504325920"/>
+      </p:ext>
+    </p:extLst>
+  </p:cSld>
+  <p:clrMapOvr>
+    <a:masterClrMapping/>
+  </p:clrMapOvr>
+</p:sld>
+</file>
+
+<file path=ppt/slides/slide11.xml><?xml version="1.0" encoding="utf-8"?>
+<p:sld xmlns:a="http://schemas.openxmlformats.org/drawingml/2006/main" xmlns:r="http://schemas.openxmlformats.org/officeDocument/2006/relationships" xmlns:p="http://schemas.openxmlformats.org/presentationml/2006/main">
+  <p:cSld>
+    <p:spTree>
+      <p:nvGrpSpPr>
+        <p:cNvPr id="1" name=""/>
+        <p:cNvGrpSpPr/>
+        <p:nvPr/>
+      </p:nvGrpSpPr>
+      <p:grpSpPr>
+        <a:xfrm>
+          <a:off x="0" y="0"/>
+          <a:ext cx="0" cy="0"/>
+          <a:chOff x="0" y="0"/>
+          <a:chExt cx="0" cy="0"/>
+        </a:xfrm>
+      </p:grpSpPr>
+      <p:sp>
+        <p:nvSpPr>
+          <p:cNvPr id="2" name="Title 1">
+            <a:extLst>
+              <a:ext uri="{FF2B5EF4-FFF2-40B4-BE49-F238E27FC236}">
+                <a16:creationId xmlns:a16="http://schemas.microsoft.com/office/drawing/2014/main" id="{ED64F444-F53D-4750-9E39-6E99B24DA149}"/>
+              </a:ext>
+            </a:extLst>
+          </p:cNvPr>
+          <p:cNvSpPr>
+            <a:spLocks noGrp="1"/>
+          </p:cNvSpPr>
+          <p:nvPr>
+            <p:ph type="ctrTitle"/>
+          </p:nvPr>
+        </p:nvSpPr>
+        <p:spPr/>
+        <p:txBody>
+          <a:bodyPr/>
+          <a:lstStyle/>
+          <a:p>
+            <a:r>
+              <a:rPr lang="en-US" dirty="0"/>
+              <a:t>E</a:t>
+            </a:r>
+            <a:r>
+              <a:rPr lang="el-GR" dirty="0" err="1"/>
+              <a:t>υχαριστούμε</a:t>
+            </a:r>
+            <a:r>
+              <a:rPr lang="el-GR" dirty="0"/>
+              <a:t> για την προσοχή σας!</a:t>
+            </a:r>
+          </a:p>
+        </p:txBody>
+      </p:sp>
+      <p:sp>
+        <p:nvSpPr>
+          <p:cNvPr id="3" name="Subtitle 2">
+            <a:extLst>
+              <a:ext uri="{FF2B5EF4-FFF2-40B4-BE49-F238E27FC236}">
+                <a16:creationId xmlns:a16="http://schemas.microsoft.com/office/drawing/2014/main" id="{DD81397C-3B27-4C76-80BA-3F2DF9283293}"/>
+              </a:ext>
+            </a:extLst>
+          </p:cNvPr>
+          <p:cNvSpPr>
+            <a:spLocks noGrp="1"/>
+          </p:cNvSpPr>
+          <p:nvPr>
+            <p:ph type="subTitle" idx="1"/>
+          </p:nvPr>
+        </p:nvSpPr>
+        <p:spPr/>
+        <p:txBody>
+          <a:bodyPr/>
+          <a:lstStyle/>
+          <a:p>
+            <a:endParaRPr lang="el-GR" dirty="0"/>
+          </a:p>
+        </p:txBody>
+      </p:sp>
+    </p:spTree>
+    <p:extLst>
+      <p:ext uri="{BB962C8B-B14F-4D97-AF65-F5344CB8AC3E}">
+        <p14:creationId xmlns:p14="http://schemas.microsoft.com/office/powerpoint/2010/main" val="3435687564"/>
+      </p:ext>
+    </p:extLst>
+  </p:cSld>
+  <p:clrMapOvr>
+    <a:masterClrMapping/>
+  </p:clrMapOvr>
+</p:sld>
+</file>
+
 <file path=ppt/slides/slide2.xml><?xml version="1.0" encoding="utf-8"?>
 <p:sld xmlns:a="http://schemas.openxmlformats.org/drawingml/2006/main" xmlns:r="http://schemas.openxmlformats.org/officeDocument/2006/relationships" xmlns:p="http://schemas.openxmlformats.org/presentationml/2006/main">
   <p:cSld>
@@ -9414,10 +9601,18 @@
           <a:lstStyle/>
           <a:p>
             <a:r>
-              <a:rPr lang="en-US"/>
+              <a:rPr lang="en-US" dirty="0">
+                <a:solidFill>
+                  <a:schemeClr val="bg1"/>
+                </a:solidFill>
+              </a:rPr>
               <a:t>ERD-Diagram</a:t>
             </a:r>
-            <a:endParaRPr lang="el-GR" dirty="0"/>
+            <a:endParaRPr lang="el-GR" dirty="0">
+              <a:solidFill>
+                <a:schemeClr val="bg1"/>
+              </a:solidFill>
+            </a:endParaRPr>
           </a:p>
         </p:txBody>
       </p:sp>
@@ -9460,6 +9655,426 @@
     <p:extLst>
       <p:ext uri="{BB962C8B-B14F-4D97-AF65-F5344CB8AC3E}">
         <p14:creationId xmlns:p14="http://schemas.microsoft.com/office/powerpoint/2010/main" val="3098062542"/>
+      </p:ext>
+    </p:extLst>
+  </p:cSld>
+  <p:clrMapOvr>
+    <a:masterClrMapping/>
+  </p:clrMapOvr>
+</p:sld>
+</file>
+
+<file path=ppt/slides/slide5.xml><?xml version="1.0" encoding="utf-8"?>
+<p:sld xmlns:a="http://schemas.openxmlformats.org/drawingml/2006/main" xmlns:r="http://schemas.openxmlformats.org/officeDocument/2006/relationships" xmlns:p="http://schemas.openxmlformats.org/presentationml/2006/main">
+  <p:cSld>
+    <p:spTree>
+      <p:nvGrpSpPr>
+        <p:cNvPr id="1" name=""/>
+        <p:cNvGrpSpPr/>
+        <p:nvPr/>
+      </p:nvGrpSpPr>
+      <p:grpSpPr>
+        <a:xfrm>
+          <a:off x="0" y="0"/>
+          <a:ext cx="0" cy="0"/>
+          <a:chOff x="0" y="0"/>
+          <a:chExt cx="0" cy="0"/>
+        </a:xfrm>
+      </p:grpSpPr>
+      <p:sp>
+        <p:nvSpPr>
+          <p:cNvPr id="2" name="Title 1">
+            <a:extLst>
+              <a:ext uri="{FF2B5EF4-FFF2-40B4-BE49-F238E27FC236}">
+                <a16:creationId xmlns:a16="http://schemas.microsoft.com/office/drawing/2014/main" id="{C0E889DF-AFFF-44AB-B03D-46A4F291A60A}"/>
+              </a:ext>
+            </a:extLst>
+          </p:cNvPr>
+          <p:cNvSpPr>
+            <a:spLocks noGrp="1"/>
+          </p:cNvSpPr>
+          <p:nvPr>
+            <p:ph type="title"/>
+          </p:nvPr>
+        </p:nvSpPr>
+        <p:spPr/>
+        <p:txBody>
+          <a:bodyPr/>
+          <a:lstStyle/>
+          <a:p>
+            <a:r>
+              <a:rPr lang="el-GR" dirty="0">
+                <a:solidFill>
+                  <a:schemeClr val="bg1"/>
+                </a:solidFill>
+              </a:rPr>
+              <a:t>Αρχική Σελίδα</a:t>
+            </a:r>
+          </a:p>
+        </p:txBody>
+      </p:sp>
+      <p:sp>
+        <p:nvSpPr>
+          <p:cNvPr id="3" name="Content Placeholder 2">
+            <a:extLst>
+              <a:ext uri="{FF2B5EF4-FFF2-40B4-BE49-F238E27FC236}">
+                <a16:creationId xmlns:a16="http://schemas.microsoft.com/office/drawing/2014/main" id="{507DBA62-A18B-4766-B0F2-44B4E459A767}"/>
+              </a:ext>
+            </a:extLst>
+          </p:cNvPr>
+          <p:cNvSpPr>
+            <a:spLocks noGrp="1"/>
+          </p:cNvSpPr>
+          <p:nvPr>
+            <p:ph idx="1"/>
+          </p:nvPr>
+        </p:nvSpPr>
+        <p:spPr/>
+        <p:txBody>
+          <a:bodyPr/>
+          <a:lstStyle/>
+          <a:p>
+            <a:endParaRPr lang="el-GR" dirty="0"/>
+          </a:p>
+        </p:txBody>
+      </p:sp>
+    </p:spTree>
+    <p:extLst>
+      <p:ext uri="{BB962C8B-B14F-4D97-AF65-F5344CB8AC3E}">
+        <p14:creationId xmlns:p14="http://schemas.microsoft.com/office/powerpoint/2010/main" val="2085203287"/>
+      </p:ext>
+    </p:extLst>
+  </p:cSld>
+  <p:clrMapOvr>
+    <a:masterClrMapping/>
+  </p:clrMapOvr>
+</p:sld>
+</file>
+
+<file path=ppt/slides/slide6.xml><?xml version="1.0" encoding="utf-8"?>
+<p:sld xmlns:a="http://schemas.openxmlformats.org/drawingml/2006/main" xmlns:r="http://schemas.openxmlformats.org/officeDocument/2006/relationships" xmlns:p="http://schemas.openxmlformats.org/presentationml/2006/main">
+  <p:cSld>
+    <p:spTree>
+      <p:nvGrpSpPr>
+        <p:cNvPr id="1" name=""/>
+        <p:cNvGrpSpPr/>
+        <p:nvPr/>
+      </p:nvGrpSpPr>
+      <p:grpSpPr>
+        <a:xfrm>
+          <a:off x="0" y="0"/>
+          <a:ext cx="0" cy="0"/>
+          <a:chOff x="0" y="0"/>
+          <a:chExt cx="0" cy="0"/>
+        </a:xfrm>
+      </p:grpSpPr>
+      <p:sp>
+        <p:nvSpPr>
+          <p:cNvPr id="2" name="Title 1">
+            <a:extLst>
+              <a:ext uri="{FF2B5EF4-FFF2-40B4-BE49-F238E27FC236}">
+                <a16:creationId xmlns:a16="http://schemas.microsoft.com/office/drawing/2014/main" id="{1516FE9D-8FD8-4DF8-B7A3-5C274369A5E6}"/>
+              </a:ext>
+            </a:extLst>
+          </p:cNvPr>
+          <p:cNvSpPr>
+            <a:spLocks noGrp="1"/>
+          </p:cNvSpPr>
+          <p:nvPr>
+            <p:ph type="title"/>
+          </p:nvPr>
+        </p:nvSpPr>
+        <p:spPr/>
+        <p:txBody>
+          <a:bodyPr/>
+          <a:lstStyle/>
+          <a:p>
+            <a:r>
+              <a:rPr lang="el-GR" dirty="0"/>
+              <a:t>Σελίδα Εκθεμάτων</a:t>
+            </a:r>
+          </a:p>
+        </p:txBody>
+      </p:sp>
+      <p:sp>
+        <p:nvSpPr>
+          <p:cNvPr id="3" name="Content Placeholder 2">
+            <a:extLst>
+              <a:ext uri="{FF2B5EF4-FFF2-40B4-BE49-F238E27FC236}">
+                <a16:creationId xmlns:a16="http://schemas.microsoft.com/office/drawing/2014/main" id="{B0ACCE11-15B2-4BEB-A4B7-1D36CA9ECFD8}"/>
+              </a:ext>
+            </a:extLst>
+          </p:cNvPr>
+          <p:cNvSpPr>
+            <a:spLocks noGrp="1"/>
+          </p:cNvSpPr>
+          <p:nvPr>
+            <p:ph idx="1"/>
+          </p:nvPr>
+        </p:nvSpPr>
+        <p:spPr/>
+        <p:txBody>
+          <a:bodyPr/>
+          <a:lstStyle/>
+          <a:p>
+            <a:endParaRPr lang="el-GR"/>
+          </a:p>
+        </p:txBody>
+      </p:sp>
+    </p:spTree>
+    <p:extLst>
+      <p:ext uri="{BB962C8B-B14F-4D97-AF65-F5344CB8AC3E}">
+        <p14:creationId xmlns:p14="http://schemas.microsoft.com/office/powerpoint/2010/main" val="3875651767"/>
+      </p:ext>
+    </p:extLst>
+  </p:cSld>
+  <p:clrMapOvr>
+    <a:masterClrMapping/>
+  </p:clrMapOvr>
+</p:sld>
+</file>
+
+<file path=ppt/slides/slide7.xml><?xml version="1.0" encoding="utf-8"?>
+<p:sld xmlns:a="http://schemas.openxmlformats.org/drawingml/2006/main" xmlns:r="http://schemas.openxmlformats.org/officeDocument/2006/relationships" xmlns:p="http://schemas.openxmlformats.org/presentationml/2006/main">
+  <p:cSld>
+    <p:spTree>
+      <p:nvGrpSpPr>
+        <p:cNvPr id="1" name=""/>
+        <p:cNvGrpSpPr/>
+        <p:nvPr/>
+      </p:nvGrpSpPr>
+      <p:grpSpPr>
+        <a:xfrm>
+          <a:off x="0" y="0"/>
+          <a:ext cx="0" cy="0"/>
+          <a:chOff x="0" y="0"/>
+          <a:chExt cx="0" cy="0"/>
+        </a:xfrm>
+      </p:grpSpPr>
+      <p:sp>
+        <p:nvSpPr>
+          <p:cNvPr id="2" name="Title 1">
+            <a:extLst>
+              <a:ext uri="{FF2B5EF4-FFF2-40B4-BE49-F238E27FC236}">
+                <a16:creationId xmlns:a16="http://schemas.microsoft.com/office/drawing/2014/main" id="{3F903EE5-8B52-4F93-884B-F6B672084FD8}"/>
+              </a:ext>
+            </a:extLst>
+          </p:cNvPr>
+          <p:cNvSpPr>
+            <a:spLocks noGrp="1"/>
+          </p:cNvSpPr>
+          <p:nvPr>
+            <p:ph type="title"/>
+          </p:nvPr>
+        </p:nvSpPr>
+        <p:spPr/>
+        <p:txBody>
+          <a:bodyPr/>
+          <a:lstStyle/>
+          <a:p>
+            <a:r>
+              <a:rPr lang="el-GR" dirty="0"/>
+              <a:t>Σελίδα Εκδηλώσεων</a:t>
+            </a:r>
+          </a:p>
+        </p:txBody>
+      </p:sp>
+      <p:sp>
+        <p:nvSpPr>
+          <p:cNvPr id="3" name="Content Placeholder 2">
+            <a:extLst>
+              <a:ext uri="{FF2B5EF4-FFF2-40B4-BE49-F238E27FC236}">
+                <a16:creationId xmlns:a16="http://schemas.microsoft.com/office/drawing/2014/main" id="{D490FCD0-E742-4652-90EA-2B402089612C}"/>
+              </a:ext>
+            </a:extLst>
+          </p:cNvPr>
+          <p:cNvSpPr>
+            <a:spLocks noGrp="1"/>
+          </p:cNvSpPr>
+          <p:nvPr>
+            <p:ph idx="1"/>
+          </p:nvPr>
+        </p:nvSpPr>
+        <p:spPr/>
+        <p:txBody>
+          <a:bodyPr/>
+          <a:lstStyle/>
+          <a:p>
+            <a:endParaRPr lang="el-GR" dirty="0"/>
+          </a:p>
+        </p:txBody>
+      </p:sp>
+    </p:spTree>
+    <p:extLst>
+      <p:ext uri="{BB962C8B-B14F-4D97-AF65-F5344CB8AC3E}">
+        <p14:creationId xmlns:p14="http://schemas.microsoft.com/office/powerpoint/2010/main" val="3982444317"/>
+      </p:ext>
+    </p:extLst>
+  </p:cSld>
+  <p:clrMapOvr>
+    <a:masterClrMapping/>
+  </p:clrMapOvr>
+</p:sld>
+</file>
+
+<file path=ppt/slides/slide8.xml><?xml version="1.0" encoding="utf-8"?>
+<p:sld xmlns:a="http://schemas.openxmlformats.org/drawingml/2006/main" xmlns:r="http://schemas.openxmlformats.org/officeDocument/2006/relationships" xmlns:p="http://schemas.openxmlformats.org/presentationml/2006/main">
+  <p:cSld>
+    <p:spTree>
+      <p:nvGrpSpPr>
+        <p:cNvPr id="1" name=""/>
+        <p:cNvGrpSpPr/>
+        <p:nvPr/>
+      </p:nvGrpSpPr>
+      <p:grpSpPr>
+        <a:xfrm>
+          <a:off x="0" y="0"/>
+          <a:ext cx="0" cy="0"/>
+          <a:chOff x="0" y="0"/>
+          <a:chExt cx="0" cy="0"/>
+        </a:xfrm>
+      </p:grpSpPr>
+      <p:sp>
+        <p:nvSpPr>
+          <p:cNvPr id="2" name="Title 1">
+            <a:extLst>
+              <a:ext uri="{FF2B5EF4-FFF2-40B4-BE49-F238E27FC236}">
+                <a16:creationId xmlns:a16="http://schemas.microsoft.com/office/drawing/2014/main" id="{43F1AE86-618A-40E9-B11C-D073633D20D4}"/>
+              </a:ext>
+            </a:extLst>
+          </p:cNvPr>
+          <p:cNvSpPr>
+            <a:spLocks noGrp="1"/>
+          </p:cNvSpPr>
+          <p:nvPr>
+            <p:ph type="title"/>
+          </p:nvPr>
+        </p:nvSpPr>
+        <p:spPr/>
+        <p:txBody>
+          <a:bodyPr/>
+          <a:lstStyle/>
+          <a:p>
+            <a:r>
+              <a:rPr lang="el-GR" dirty="0"/>
+              <a:t>Εισιτήριο</a:t>
+            </a:r>
+          </a:p>
+        </p:txBody>
+      </p:sp>
+      <p:sp>
+        <p:nvSpPr>
+          <p:cNvPr id="3" name="Content Placeholder 2">
+            <a:extLst>
+              <a:ext uri="{FF2B5EF4-FFF2-40B4-BE49-F238E27FC236}">
+                <a16:creationId xmlns:a16="http://schemas.microsoft.com/office/drawing/2014/main" id="{6EA1BDFD-92B8-468E-919E-A109592CAECD}"/>
+              </a:ext>
+            </a:extLst>
+          </p:cNvPr>
+          <p:cNvSpPr>
+            <a:spLocks noGrp="1"/>
+          </p:cNvSpPr>
+          <p:nvPr>
+            <p:ph idx="1"/>
+          </p:nvPr>
+        </p:nvSpPr>
+        <p:spPr/>
+        <p:txBody>
+          <a:bodyPr/>
+          <a:lstStyle/>
+          <a:p>
+            <a:endParaRPr lang="el-GR"/>
+          </a:p>
+        </p:txBody>
+      </p:sp>
+    </p:spTree>
+    <p:extLst>
+      <p:ext uri="{BB962C8B-B14F-4D97-AF65-F5344CB8AC3E}">
+        <p14:creationId xmlns:p14="http://schemas.microsoft.com/office/powerpoint/2010/main" val="1766698706"/>
+      </p:ext>
+    </p:extLst>
+  </p:cSld>
+  <p:clrMapOvr>
+    <a:masterClrMapping/>
+  </p:clrMapOvr>
+</p:sld>
+</file>
+
+<file path=ppt/slides/slide9.xml><?xml version="1.0" encoding="utf-8"?>
+<p:sld xmlns:a="http://schemas.openxmlformats.org/drawingml/2006/main" xmlns:r="http://schemas.openxmlformats.org/officeDocument/2006/relationships" xmlns:p="http://schemas.openxmlformats.org/presentationml/2006/main">
+  <p:cSld>
+    <p:spTree>
+      <p:nvGrpSpPr>
+        <p:cNvPr id="1" name=""/>
+        <p:cNvGrpSpPr/>
+        <p:nvPr/>
+      </p:nvGrpSpPr>
+      <p:grpSpPr>
+        <a:xfrm>
+          <a:off x="0" y="0"/>
+          <a:ext cx="0" cy="0"/>
+          <a:chOff x="0" y="0"/>
+          <a:chExt cx="0" cy="0"/>
+        </a:xfrm>
+      </p:grpSpPr>
+      <p:sp>
+        <p:nvSpPr>
+          <p:cNvPr id="2" name="Title 1">
+            <a:extLst>
+              <a:ext uri="{FF2B5EF4-FFF2-40B4-BE49-F238E27FC236}">
+                <a16:creationId xmlns:a16="http://schemas.microsoft.com/office/drawing/2014/main" id="{844A8E49-EF4B-40B8-86B9-612731DA814A}"/>
+              </a:ext>
+            </a:extLst>
+          </p:cNvPr>
+          <p:cNvSpPr>
+            <a:spLocks noGrp="1"/>
+          </p:cNvSpPr>
+          <p:nvPr>
+            <p:ph type="title"/>
+          </p:nvPr>
+        </p:nvSpPr>
+        <p:spPr/>
+        <p:txBody>
+          <a:bodyPr/>
+          <a:lstStyle/>
+          <a:p>
+            <a:r>
+              <a:rPr lang="en-US" dirty="0"/>
+              <a:t>Sign in / Sign out</a:t>
+            </a:r>
+            <a:endParaRPr lang="el-GR" dirty="0"/>
+          </a:p>
+        </p:txBody>
+      </p:sp>
+      <p:sp>
+        <p:nvSpPr>
+          <p:cNvPr id="3" name="Content Placeholder 2">
+            <a:extLst>
+              <a:ext uri="{FF2B5EF4-FFF2-40B4-BE49-F238E27FC236}">
+                <a16:creationId xmlns:a16="http://schemas.microsoft.com/office/drawing/2014/main" id="{07F5C6B7-6A6E-46CB-A007-1DDFFCA02169}"/>
+              </a:ext>
+            </a:extLst>
+          </p:cNvPr>
+          <p:cNvSpPr>
+            <a:spLocks noGrp="1"/>
+          </p:cNvSpPr>
+          <p:nvPr>
+            <p:ph idx="1"/>
+          </p:nvPr>
+        </p:nvSpPr>
+        <p:spPr/>
+        <p:txBody>
+          <a:bodyPr/>
+          <a:lstStyle/>
+          <a:p>
+            <a:endParaRPr lang="el-GR"/>
+          </a:p>
+        </p:txBody>
+      </p:sp>
+    </p:spTree>
+    <p:extLst>
+      <p:ext uri="{BB962C8B-B14F-4D97-AF65-F5344CB8AC3E}">
+        <p14:creationId xmlns:p14="http://schemas.microsoft.com/office/powerpoint/2010/main" val="3873534286"/>
       </p:ext>
     </p:extLst>
   </p:cSld>
